--- a/documentation/White Volley Girls - Final Project Presentation (Season 1).pptx
+++ b/documentation/White Volley Girls - Final Project Presentation (Season 1).pptx
@@ -285,7 +285,7 @@
       </p15:sldGuideLst>
     </p:ext>
     <p:ext uri="http://customooxmlschemas.google.com/">
-      <go:slidesCustomData xmlns:go="http://customooxmlschemas.google.com/" r:id="rId30" roundtripDataSignature="AMtx7mj2pNS6WjhQZF5i42zv41ULEmpNaw=="/>
+      <go:slidesCustomData xmlns:go="http://customooxmlschemas.google.com/" r:id="rId30" roundtripDataSignature="AMtx7mimdHVQ8WNfgWuKCgYioFsb7GcVxQ=="/>
     </p:ext>
   </p:extLst>
 </p:presentation>
@@ -2108,7 +2108,7 @@
       </p:grpSpPr>
       <p:sp>
         <p:nvSpPr>
-          <p:cNvPr id="161" name="Google Shape;161;g1a99d894fb7_0_16:notes"/>
+          <p:cNvPr id="161" name="Google Shape;161;g1a680b672dc_0_0:notes"/>
           <p:cNvSpPr/>
           <p:nvPr>
             <p:ph idx="2" type="sldImg"/>
@@ -2153,7 +2153,7 @@
       </p:sp>
       <p:sp>
         <p:nvSpPr>
-          <p:cNvPr id="162" name="Google Shape;162;g1a99d894fb7_0_16:notes"/>
+          <p:cNvPr id="162" name="Google Shape;162;g1a680b672dc_0_0:notes"/>
           <p:cNvSpPr txBox="1"/>
           <p:nvPr>
             <p:ph idx="1" type="body"/>
@@ -2189,7 +2189,7 @@
             </a:pPr>
             <a:r>
               <a:rPr lang="en-US"/>
-              <a:t>Nima</a:t>
+              <a:t>David</a:t>
             </a:r>
             <a:endParaRPr/>
           </a:p>
@@ -2197,7 +2197,7 @@
       </p:sp>
       <p:sp>
         <p:nvSpPr>
-          <p:cNvPr id="163" name="Google Shape;163;g1a99d894fb7_0_16:notes"/>
+          <p:cNvPr id="163" name="Google Shape;163;g1a680b672dc_0_0:notes"/>
           <p:cNvSpPr txBox="1"/>
           <p:nvPr>
             <p:ph idx="12" type="sldNum"/>
@@ -2252,7 +2252,7 @@
   <p:cSld>
     <p:spTree>
       <p:nvGrpSpPr>
-        <p:cNvPr id="167" name="Shape 167"/>
+        <p:cNvPr id="168" name="Shape 168"/>
         <p:cNvGrpSpPr/>
         <p:nvPr/>
       </p:nvGrpSpPr>
@@ -2266,7 +2266,7 @@
       </p:grpSpPr>
       <p:sp>
         <p:nvSpPr>
-          <p:cNvPr id="168" name="Google Shape;168;g1a680b672dc_0_0:notes"/>
+          <p:cNvPr id="169" name="Google Shape;169;g1a99d894fb7_0_16:notes"/>
           <p:cNvSpPr/>
           <p:nvPr>
             <p:ph idx="2" type="sldImg"/>
@@ -2311,7 +2311,7 @@
       </p:sp>
       <p:sp>
         <p:nvSpPr>
-          <p:cNvPr id="169" name="Google Shape;169;g1a680b672dc_0_0:notes"/>
+          <p:cNvPr id="170" name="Google Shape;170;g1a99d894fb7_0_16:notes"/>
           <p:cNvSpPr txBox="1"/>
           <p:nvPr>
             <p:ph idx="1" type="body"/>
@@ -2355,7 +2355,7 @@
       </p:sp>
       <p:sp>
         <p:nvSpPr>
-          <p:cNvPr id="170" name="Google Shape;170;g1a680b672dc_0_0:notes"/>
+          <p:cNvPr id="171" name="Google Shape;171;g1a99d894fb7_0_16:notes"/>
           <p:cNvSpPr txBox="1"/>
           <p:nvPr>
             <p:ph idx="12" type="sldNum"/>
@@ -11814,7 +11814,7 @@
       </p:grpSpPr>
       <p:pic>
         <p:nvPicPr>
-          <p:cNvPr descr="CSUN_Logo.png" id="165" name="Google Shape;165;g1a99d894fb7_0_16"/>
+          <p:cNvPr descr="CSUN_Logo.png" id="165" name="Google Shape;165;g1a680b672dc_0_0"/>
           <p:cNvPicPr preferRelativeResize="0"/>
           <p:nvPr/>
         </p:nvPicPr>
@@ -11864,7 +11864,7 @@
       </p:pic>
       <p:pic>
         <p:nvPicPr>
-          <p:cNvPr id="166" name="Google Shape;166;g1a99d894fb7_0_16"/>
+          <p:cNvPr id="166" name="Google Shape;166;g1a680b672dc_0_0"/>
           <p:cNvPicPr preferRelativeResize="0"/>
           <p:nvPr/>
         </p:nvPicPr>
@@ -11878,8 +11878,36 @@
         </p:blipFill>
         <p:spPr>
           <a:xfrm>
-            <a:off x="390525" y="1476375"/>
-            <a:ext cx="8362950" cy="3905250"/>
+            <a:off x="251550" y="234563"/>
+            <a:ext cx="4419865" cy="6553201"/>
+          </a:xfrm>
+          <a:prstGeom prst="rect">
+            <a:avLst/>
+          </a:prstGeom>
+          <a:noFill/>
+          <a:ln>
+            <a:noFill/>
+          </a:ln>
+        </p:spPr>
+      </p:pic>
+      <p:pic>
+        <p:nvPicPr>
+          <p:cNvPr id="167" name="Google Shape;167;g1a680b672dc_0_0"/>
+          <p:cNvPicPr preferRelativeResize="0"/>
+          <p:nvPr/>
+        </p:nvPicPr>
+        <p:blipFill>
+          <a:blip r:embed="rId5">
+            <a:alphaModFix/>
+          </a:blip>
+          <a:stretch>
+            <a:fillRect/>
+          </a:stretch>
+        </p:blipFill>
+        <p:spPr>
+          <a:xfrm>
+            <a:off x="4671426" y="211400"/>
+            <a:ext cx="3757926" cy="6599525"/>
           </a:xfrm>
           <a:prstGeom prst="rect">
             <a:avLst/>
@@ -11903,7 +11931,7 @@
   <p:cSld>
     <p:spTree>
       <p:nvGrpSpPr>
-        <p:cNvPr id="171" name="Shape 171"/>
+        <p:cNvPr id="172" name="Shape 172"/>
         <p:cNvGrpSpPr/>
         <p:nvPr/>
       </p:nvGrpSpPr>
@@ -11917,7 +11945,7 @@
       </p:grpSpPr>
       <p:pic>
         <p:nvPicPr>
-          <p:cNvPr descr="CSUN_Logo.png" id="172" name="Google Shape;172;g1a680b672dc_0_0"/>
+          <p:cNvPr descr="CSUN_Logo.png" id="173" name="Google Shape;173;g1a99d894fb7_0_16"/>
           <p:cNvPicPr preferRelativeResize="0"/>
           <p:nvPr/>
         </p:nvPicPr>
@@ -11967,7 +11995,7 @@
       </p:pic>
       <p:pic>
         <p:nvPicPr>
-          <p:cNvPr id="173" name="Google Shape;173;g1a680b672dc_0_0"/>
+          <p:cNvPr id="174" name="Google Shape;174;g1a99d894fb7_0_16"/>
           <p:cNvPicPr preferRelativeResize="0"/>
           <p:nvPr/>
         </p:nvPicPr>
@@ -11981,36 +12009,8 @@
         </p:blipFill>
         <p:spPr>
           <a:xfrm>
-            <a:off x="251550" y="234563"/>
-            <a:ext cx="4419865" cy="6553201"/>
-          </a:xfrm>
-          <a:prstGeom prst="rect">
-            <a:avLst/>
-          </a:prstGeom>
-          <a:noFill/>
-          <a:ln>
-            <a:noFill/>
-          </a:ln>
-        </p:spPr>
-      </p:pic>
-      <p:pic>
-        <p:nvPicPr>
-          <p:cNvPr id="174" name="Google Shape;174;g1a680b672dc_0_0"/>
-          <p:cNvPicPr preferRelativeResize="0"/>
-          <p:nvPr/>
-        </p:nvPicPr>
-        <p:blipFill>
-          <a:blip r:embed="rId5">
-            <a:alphaModFix/>
-          </a:blip>
-          <a:stretch>
-            <a:fillRect/>
-          </a:stretch>
-        </p:blipFill>
-        <p:spPr>
-          <a:xfrm>
-            <a:off x="4671426" y="211400"/>
-            <a:ext cx="3757926" cy="6599525"/>
+            <a:off x="0" y="0"/>
+            <a:ext cx="4606405" cy="6858000"/>
           </a:xfrm>
           <a:prstGeom prst="rect">
             <a:avLst/>
@@ -14239,9 +14239,13 @@
                 <a:cs typeface="Arial"/>
                 <a:sym typeface="Arial"/>
               </a:rPr>
-              <a:t>Agenda {everything in parens/highlighter is slidedeck section}</a:t>
+              <a:t>Agenda</a:t>
             </a:r>
-            <a:endParaRPr/>
+            <a:endParaRPr b="1" sz="2800">
+              <a:solidFill>
+                <a:srgbClr val="D00D2D"/>
+              </a:solidFill>
+            </a:endParaRPr>
           </a:p>
         </p:txBody>
       </p:sp>
@@ -14272,222 +14276,202 @@
           </a:bodyPr>
           <a:lstStyle/>
           <a:p>
-            <a:pPr indent="-285750" lvl="0" marL="285750" rtl="0" algn="l">
-              <a:spcBef>
-                <a:spcPts val="0"/>
-              </a:spcBef>
-              <a:spcAft>
-                <a:spcPts val="0"/>
-              </a:spcAft>
-              <a:buClr>
-                <a:schemeClr val="dk1"/>
-              </a:buClr>
+            <a:pPr indent="-361950" lvl="0" marL="457200" rtl="0" algn="l">
+              <a:spcBef>
+                <a:spcPts val="0"/>
+              </a:spcBef>
+              <a:spcAft>
+                <a:spcPts val="0"/>
+              </a:spcAft>
               <a:buSzPts val="2100"/>
-              <a:buFont typeface="Arial"/>
-              <a:buChar char="•"/>
+              <a:buChar char="●"/>
             </a:pPr>
             <a:r>
               <a:rPr b="1" lang="en-US" sz="2100">
                 <a:highlight>
-                  <a:srgbClr val="9900FF"/>
+                  <a:srgbClr val="000000"/>
                 </a:highlight>
               </a:rPr>
-              <a:t>(Project Overview)</a:t>
+              <a:t>Project Overview</a:t>
             </a:r>
             <a:endParaRPr>
               <a:highlight>
-                <a:srgbClr val="9900FF"/>
+                <a:srgbClr val="000000"/>
               </a:highlight>
             </a:endParaRPr>
           </a:p>
           <a:p>
-            <a:pPr indent="-285750" lvl="0" marL="285750" rtl="0" algn="l">
-              <a:spcBef>
-                <a:spcPts val="420"/>
-              </a:spcBef>
-              <a:spcAft>
-                <a:spcPts val="0"/>
-              </a:spcAft>
-              <a:buClr>
-                <a:schemeClr val="dk1"/>
-              </a:buClr>
+            <a:pPr indent="-361950" lvl="0" marL="457200" rtl="0" algn="l">
+              <a:spcBef>
+                <a:spcPts val="0"/>
+              </a:spcBef>
+              <a:spcAft>
+                <a:spcPts val="0"/>
+              </a:spcAft>
               <a:buSzPts val="2100"/>
-              <a:buFont typeface="Arial"/>
-              <a:buChar char="•"/>
+              <a:buChar char="●"/>
             </a:pPr>
             <a:r>
               <a:rPr b="1" lang="en-US" sz="2100">
                 <a:highlight>
-                  <a:srgbClr val="9900FF"/>
+                  <a:srgbClr val="000000"/>
                 </a:highlight>
               </a:rPr>
-              <a:t>(Problem Definition) </a:t>
+              <a:t>Problem Definition</a:t>
             </a:r>
-            <a:r>
-              <a:rPr lang="en-US" sz="2100"/>
-              <a:t> </a:t>
-            </a:r>
-            <a:endParaRPr/>
-          </a:p>
-          <a:p>
-            <a:pPr indent="-285750" lvl="0" marL="285750" rtl="0" algn="l">
-              <a:spcBef>
-                <a:spcPts val="420"/>
-              </a:spcBef>
-              <a:spcAft>
-                <a:spcPts val="0"/>
-              </a:spcAft>
-              <a:buClr>
-                <a:schemeClr val="dk1"/>
-              </a:buClr>
+            <a:endParaRPr>
+              <a:highlight>
+                <a:srgbClr val="000000"/>
+              </a:highlight>
+            </a:endParaRPr>
+          </a:p>
+          <a:p>
+            <a:pPr indent="-361950" lvl="0" marL="457200" rtl="0" algn="l">
+              <a:spcBef>
+                <a:spcPts val="0"/>
+              </a:spcBef>
+              <a:spcAft>
+                <a:spcPts val="0"/>
+              </a:spcAft>
               <a:buSzPts val="2100"/>
-              <a:buFont typeface="Arial"/>
-              <a:buChar char="•"/>
+              <a:buChar char="●"/>
             </a:pPr>
             <a:r>
               <a:rPr b="1" lang="en-US" sz="2100">
                 <a:highlight>
-                  <a:srgbClr val="9900FF"/>
+                  <a:srgbClr val="000000"/>
                 </a:highlight>
               </a:rPr>
               <a:t>Application Samples </a:t>
             </a:r>
-            <a:endParaRPr/>
-          </a:p>
-          <a:p>
-            <a:pPr indent="-285750" lvl="0" marL="285750" rtl="0" algn="l">
-              <a:spcBef>
-                <a:spcPts val="420"/>
-              </a:spcBef>
-              <a:spcAft>
-                <a:spcPts val="0"/>
-              </a:spcAft>
-              <a:buClr>
-                <a:schemeClr val="dk1"/>
-              </a:buClr>
+            <a:endParaRPr>
+              <a:highlight>
+                <a:srgbClr val="000000"/>
+              </a:highlight>
+            </a:endParaRPr>
+          </a:p>
+          <a:p>
+            <a:pPr indent="-361950" lvl="0" marL="457200" rtl="0" algn="l">
+              <a:spcBef>
+                <a:spcPts val="0"/>
+              </a:spcBef>
+              <a:spcAft>
+                <a:spcPts val="0"/>
+              </a:spcAft>
               <a:buSzPts val="2100"/>
-              <a:buFont typeface="Arial"/>
-              <a:buChar char="•"/>
+              <a:buChar char="●"/>
             </a:pPr>
             <a:r>
               <a:rPr b="1" lang="en-US" sz="2100">
                 <a:highlight>
-                  <a:srgbClr val="9900FF"/>
+                  <a:srgbClr val="000000"/>
                 </a:highlight>
               </a:rPr>
               <a:t>Software overview diagram and explanation</a:t>
             </a:r>
-            <a:endParaRPr/>
-          </a:p>
-          <a:p>
-            <a:pPr indent="-285750" lvl="0" marL="285750" rtl="0" algn="l">
-              <a:spcBef>
-                <a:spcPts val="420"/>
-              </a:spcBef>
-              <a:spcAft>
-                <a:spcPts val="0"/>
-              </a:spcAft>
-              <a:buClr>
-                <a:schemeClr val="dk1"/>
-              </a:buClr>
+            <a:endParaRPr>
+              <a:highlight>
+                <a:srgbClr val="000000"/>
+              </a:highlight>
+            </a:endParaRPr>
+          </a:p>
+          <a:p>
+            <a:pPr indent="-361950" lvl="0" marL="457200" rtl="0" algn="l">
+              <a:spcBef>
+                <a:spcPts val="0"/>
+              </a:spcBef>
+              <a:spcAft>
+                <a:spcPts val="0"/>
+              </a:spcAft>
               <a:buSzPts val="2100"/>
-              <a:buFont typeface="Arial"/>
-              <a:buChar char="•"/>
+              <a:buChar char="●"/>
             </a:pPr>
             <a:r>
               <a:rPr b="1" lang="en-US" sz="2100">
                 <a:highlight>
-                  <a:srgbClr val="9900FF"/>
+                  <a:srgbClr val="000000"/>
                 </a:highlight>
               </a:rPr>
-              <a:t>(Sample Code Snippets</a:t>
+              <a:t>Sample Code Snippets</a:t>
             </a:r>
-            <a:endParaRPr/>
-          </a:p>
-          <a:p>
-            <a:pPr indent="-285750" lvl="0" marL="285750" rtl="0" algn="l">
-              <a:spcBef>
-                <a:spcPts val="420"/>
-              </a:spcBef>
-              <a:spcAft>
-                <a:spcPts val="0"/>
-              </a:spcAft>
-              <a:buClr>
-                <a:schemeClr val="dk1"/>
-              </a:buClr>
+            <a:endParaRPr>
+              <a:highlight>
+                <a:srgbClr val="000000"/>
+              </a:highlight>
+            </a:endParaRPr>
+          </a:p>
+          <a:p>
+            <a:pPr indent="-361950" lvl="0" marL="457200" rtl="0" algn="l">
+              <a:spcBef>
+                <a:spcPts val="0"/>
+              </a:spcBef>
+              <a:spcAft>
+                <a:spcPts val="0"/>
+              </a:spcAft>
               <a:buSzPts val="2100"/>
-              <a:buFont typeface="Arial"/>
-              <a:buChar char="•"/>
+              <a:buChar char="●"/>
             </a:pPr>
             <a:r>
               <a:rPr b="1" lang="en-US" sz="2100">
                 <a:highlight>
-                  <a:srgbClr val="9900FF"/>
+                  <a:srgbClr val="000000"/>
                 </a:highlight>
               </a:rPr>
-              <a:t>App Demo</a:t>
+              <a:t>App Demo </a:t>
             </a:r>
+            <a:endParaRPr b="1" sz="2100">
+              <a:highlight>
+                <a:srgbClr val="000000"/>
+              </a:highlight>
+            </a:endParaRPr>
+          </a:p>
+          <a:p>
+            <a:pPr indent="-361950" lvl="0" marL="457200" rtl="0" algn="l">
+              <a:spcBef>
+                <a:spcPts val="0"/>
+              </a:spcBef>
+              <a:spcAft>
+                <a:spcPts val="0"/>
+              </a:spcAft>
+              <a:buSzPts val="2100"/>
+              <a:buChar char="●"/>
+            </a:pPr>
             <a:r>
               <a:rPr b="1" lang="en-US" sz="2100">
                 <a:highlight>
-                  <a:srgbClr val="FFFF00"/>
-                </a:highlight>
-              </a:rPr>
-              <a:t> </a:t>
-            </a:r>
-            <a:endParaRPr b="1" sz="2100"/>
-          </a:p>
-          <a:p>
-            <a:pPr indent="-285750" lvl="0" marL="285750" rtl="0" algn="l">
-              <a:spcBef>
-                <a:spcPts val="420"/>
-              </a:spcBef>
-              <a:spcAft>
-                <a:spcPts val="0"/>
-              </a:spcAft>
-              <a:buClr>
-                <a:schemeClr val="dk1"/>
-              </a:buClr>
-              <a:buSzPts val="2100"/>
-              <a:buFont typeface="Arial"/>
-              <a:buChar char="•"/>
-            </a:pPr>
-            <a:r>
-              <a:rPr b="1" lang="en-US" sz="2100">
-                <a:highlight>
-                  <a:srgbClr val="9900FF"/>
+                  <a:srgbClr val="000000"/>
                 </a:highlight>
               </a:rPr>
               <a:t>Progress and Future Work </a:t>
             </a:r>
-            <a:endParaRPr/>
-          </a:p>
-          <a:p>
-            <a:pPr indent="-285750" lvl="0" marL="285750" rtl="0" algn="l">
-              <a:spcBef>
-                <a:spcPts val="420"/>
-              </a:spcBef>
-              <a:spcAft>
-                <a:spcPts val="0"/>
-              </a:spcAft>
-              <a:buClr>
-                <a:schemeClr val="dk1"/>
-              </a:buClr>
+            <a:endParaRPr>
+              <a:highlight>
+                <a:srgbClr val="000000"/>
+              </a:highlight>
+            </a:endParaRPr>
+          </a:p>
+          <a:p>
+            <a:pPr indent="-361950" lvl="0" marL="457200" rtl="0" algn="l">
+              <a:spcBef>
+                <a:spcPts val="0"/>
+              </a:spcBef>
+              <a:spcAft>
+                <a:spcPts val="0"/>
+              </a:spcAft>
               <a:buSzPts val="2100"/>
-              <a:buFont typeface="Arial"/>
-              <a:buChar char="•"/>
+              <a:buChar char="●"/>
             </a:pPr>
             <a:r>
               <a:rPr b="1" lang="en-US" sz="2100">
                 <a:highlight>
-                  <a:srgbClr val="9900FF"/>
+                  <a:srgbClr val="000000"/>
                 </a:highlight>
               </a:rPr>
               <a:t>Questions</a:t>
             </a:r>
             <a:endParaRPr>
               <a:highlight>
-                <a:srgbClr val="9900FF"/>
+                <a:srgbClr val="000000"/>
               </a:highlight>
             </a:endParaRPr>
           </a:p>
@@ -16388,6 +16372,285 @@
 </file>
 
 <file path=ppt/theme/theme1.xml><?xml version="1.0" encoding="utf-8"?>
+<a:theme xmlns:a="http://schemas.openxmlformats.org/drawingml/2006/main" xmlns:r="http://schemas.openxmlformats.org/officeDocument/2006/relationships" name="Office Theme">
+  <a:themeElements>
+    <a:clrScheme name="Office">
+      <a:dk1>
+        <a:srgbClr val="000000"/>
+      </a:dk1>
+      <a:lt1>
+        <a:srgbClr val="FFFFFF"/>
+      </a:lt1>
+      <a:dk2>
+        <a:srgbClr val="44546A"/>
+      </a:dk2>
+      <a:lt2>
+        <a:srgbClr val="E7E6E6"/>
+      </a:lt2>
+      <a:accent1>
+        <a:srgbClr val="5B9BD5"/>
+      </a:accent1>
+      <a:accent2>
+        <a:srgbClr val="ED7D31"/>
+      </a:accent2>
+      <a:accent3>
+        <a:srgbClr val="A5A5A5"/>
+      </a:accent3>
+      <a:accent4>
+        <a:srgbClr val="FFC000"/>
+      </a:accent4>
+      <a:accent5>
+        <a:srgbClr val="4472C4"/>
+      </a:accent5>
+      <a:accent6>
+        <a:srgbClr val="70AD47"/>
+      </a:accent6>
+      <a:hlink>
+        <a:srgbClr val="0563C1"/>
+      </a:hlink>
+      <a:folHlink>
+        <a:srgbClr val="954F72"/>
+      </a:folHlink>
+    </a:clrScheme>
+    <a:fontScheme name="Office">
+      <a:majorFont>
+        <a:latin typeface="Arial"/>
+        <a:ea typeface=""/>
+        <a:cs typeface=""/>
+        <a:font script="Jpan" typeface="ＭＳ Ｐゴシック"/>
+        <a:font script="Hang" typeface="맑은 고딕"/>
+        <a:font script="Hans" typeface="宋体"/>
+        <a:font script="Hant" typeface="新細明體"/>
+        <a:font script="Arab" typeface="Times New Roman"/>
+        <a:font script="Hebr" typeface="Times New Roman"/>
+        <a:font script="Thai" typeface="Angsana New"/>
+        <a:font script="Ethi" typeface="Nyala"/>
+        <a:font script="Beng" typeface="Vrinda"/>
+        <a:font script="Gujr" typeface="Shruti"/>
+        <a:font script="Khmr" typeface="MoolBoran"/>
+        <a:font script="Knda" typeface="Tunga"/>
+        <a:font script="Guru" typeface="Raavi"/>
+        <a:font script="Cans" typeface="Euphemia"/>
+        <a:font script="Cher" typeface="Plantagenet Cherokee"/>
+        <a:font script="Yiii" typeface="Microsoft Yi Baiti"/>
+        <a:font script="Tibt" typeface="Microsoft Himalaya"/>
+        <a:font script="Thaa" typeface="MV Boli"/>
+        <a:font script="Deva" typeface="Mangal"/>
+        <a:font script="Telu" typeface="Gautami"/>
+        <a:font script="Taml" typeface="Latha"/>
+        <a:font script="Syrc" typeface="Estrangelo Edessa"/>
+        <a:font script="Orya" typeface="Kalinga"/>
+        <a:font script="Mlym" typeface="Kartika"/>
+        <a:font script="Laoo" typeface="DokChampa"/>
+        <a:font script="Sinh" typeface="Iskoola Pota"/>
+        <a:font script="Mong" typeface="Mongolian Baiti"/>
+        <a:font script="Viet" typeface="Times New Roman"/>
+        <a:font script="Uigh" typeface="Microsoft Uighur"/>
+        <a:font script="Geor" typeface="Sylfaen"/>
+      </a:majorFont>
+      <a:minorFont>
+        <a:latin typeface="Arial"/>
+        <a:ea typeface=""/>
+        <a:cs typeface=""/>
+        <a:font script="Jpan" typeface="ＭＳ Ｐゴシック"/>
+        <a:font script="Hang" typeface="맑은 고딕"/>
+        <a:font script="Hans" typeface="宋体"/>
+        <a:font script="Hant" typeface="新細明體"/>
+        <a:font script="Arab" typeface="Arial"/>
+        <a:font script="Hebr" typeface="Arial"/>
+        <a:font script="Thai" typeface="Cordia New"/>
+        <a:font script="Ethi" typeface="Nyala"/>
+        <a:font script="Beng" typeface="Vrinda"/>
+        <a:font script="Gujr" typeface="Shruti"/>
+        <a:font script="Khmr" typeface="DaunPenh"/>
+        <a:font script="Knda" typeface="Tunga"/>
+        <a:font script="Guru" typeface="Raavi"/>
+        <a:font script="Cans" typeface="Euphemia"/>
+        <a:font script="Cher" typeface="Plantagenet Cherokee"/>
+        <a:font script="Yiii" typeface="Microsoft Yi Baiti"/>
+        <a:font script="Tibt" typeface="Microsoft Himalaya"/>
+        <a:font script="Thaa" typeface="MV Boli"/>
+        <a:font script="Deva" typeface="Mangal"/>
+        <a:font script="Telu" typeface="Gautami"/>
+        <a:font script="Taml" typeface="Latha"/>
+        <a:font script="Syrc" typeface="Estrangelo Edessa"/>
+        <a:font script="Orya" typeface="Kalinga"/>
+        <a:font script="Mlym" typeface="Kartika"/>
+        <a:font script="Laoo" typeface="DokChampa"/>
+        <a:font script="Sinh" typeface="Iskoola Pota"/>
+        <a:font script="Mong" typeface="Mongolian Baiti"/>
+        <a:font script="Viet" typeface="Arial"/>
+        <a:font script="Uigh" typeface="Microsoft Uighur"/>
+        <a:font script="Geor" typeface="Sylfaen"/>
+      </a:minorFont>
+    </a:fontScheme>
+    <a:fmtScheme name="Office">
+      <a:fillStyleLst>
+        <a:solidFill>
+          <a:schemeClr val="phClr"/>
+        </a:solidFill>
+        <a:gradFill rotWithShape="1">
+          <a:gsLst>
+            <a:gs pos="0">
+              <a:schemeClr val="phClr">
+                <a:tint val="50000"/>
+                <a:satMod val="300000"/>
+              </a:schemeClr>
+            </a:gs>
+            <a:gs pos="35000">
+              <a:schemeClr val="phClr">
+                <a:tint val="37000"/>
+                <a:satMod val="300000"/>
+              </a:schemeClr>
+            </a:gs>
+            <a:gs pos="100000">
+              <a:schemeClr val="phClr">
+                <a:tint val="15000"/>
+                <a:satMod val="350000"/>
+              </a:schemeClr>
+            </a:gs>
+          </a:gsLst>
+          <a:lin ang="16200000" scaled="1"/>
+        </a:gradFill>
+        <a:gradFill rotWithShape="1">
+          <a:gsLst>
+            <a:gs pos="0">
+              <a:schemeClr val="phClr">
+                <a:tint val="100000"/>
+                <a:shade val="100000"/>
+                <a:satMod val="130000"/>
+              </a:schemeClr>
+            </a:gs>
+            <a:gs pos="100000">
+              <a:schemeClr val="phClr">
+                <a:tint val="50000"/>
+                <a:shade val="100000"/>
+                <a:satMod val="350000"/>
+              </a:schemeClr>
+            </a:gs>
+          </a:gsLst>
+          <a:lin ang="16200000" scaled="0"/>
+        </a:gradFill>
+      </a:fillStyleLst>
+      <a:lnStyleLst>
+        <a:ln w="9525" cap="flat" cmpd="sng" algn="ctr">
+          <a:solidFill>
+            <a:schemeClr val="phClr">
+              <a:shade val="95000"/>
+              <a:satMod val="105000"/>
+            </a:schemeClr>
+          </a:solidFill>
+          <a:prstDash val="solid"/>
+        </a:ln>
+        <a:ln w="25400" cap="flat" cmpd="sng" algn="ctr">
+          <a:solidFill>
+            <a:schemeClr val="phClr"/>
+          </a:solidFill>
+          <a:prstDash val="solid"/>
+        </a:ln>
+        <a:ln w="38100" cap="flat" cmpd="sng" algn="ctr">
+          <a:solidFill>
+            <a:schemeClr val="phClr"/>
+          </a:solidFill>
+          <a:prstDash val="solid"/>
+        </a:ln>
+      </a:lnStyleLst>
+      <a:effectStyleLst>
+        <a:effectStyle>
+          <a:effectLst>
+            <a:outerShdw blurRad="40000" dist="20000" dir="5400000" rotWithShape="0">
+              <a:srgbClr val="000000">
+                <a:alpha val="38000"/>
+              </a:srgbClr>
+            </a:outerShdw>
+          </a:effectLst>
+        </a:effectStyle>
+        <a:effectStyle>
+          <a:effectLst>
+            <a:outerShdw blurRad="40000" dist="23000" dir="5400000" rotWithShape="0">
+              <a:srgbClr val="000000">
+                <a:alpha val="35000"/>
+              </a:srgbClr>
+            </a:outerShdw>
+          </a:effectLst>
+        </a:effectStyle>
+        <a:effectStyle>
+          <a:effectLst>
+            <a:outerShdw blurRad="40000" dist="23000" dir="5400000" rotWithShape="0">
+              <a:srgbClr val="000000">
+                <a:alpha val="35000"/>
+              </a:srgbClr>
+            </a:outerShdw>
+          </a:effectLst>
+          <a:scene3d>
+            <a:camera prst="orthographicFront">
+              <a:rot lat="0" lon="0" rev="0"/>
+            </a:camera>
+            <a:lightRig rig="threePt" dir="t">
+              <a:rot lat="0" lon="0" rev="1200000"/>
+            </a:lightRig>
+          </a:scene3d>
+          <a:sp3d>
+            <a:bevelT w="63500" h="25400"/>
+          </a:sp3d>
+        </a:effectStyle>
+      </a:effectStyleLst>
+      <a:bgFillStyleLst>
+        <a:solidFill>
+          <a:schemeClr val="phClr"/>
+        </a:solidFill>
+        <a:gradFill rotWithShape="1">
+          <a:gsLst>
+            <a:gs pos="0">
+              <a:schemeClr val="phClr">
+                <a:tint val="40000"/>
+                <a:satMod val="350000"/>
+              </a:schemeClr>
+            </a:gs>
+            <a:gs pos="40000">
+              <a:schemeClr val="phClr">
+                <a:tint val="45000"/>
+                <a:shade val="99000"/>
+                <a:satMod val="350000"/>
+              </a:schemeClr>
+            </a:gs>
+            <a:gs pos="100000">
+              <a:schemeClr val="phClr">
+                <a:shade val="20000"/>
+                <a:satMod val="255000"/>
+              </a:schemeClr>
+            </a:gs>
+          </a:gsLst>
+          <a:path path="circle">
+            <a:fillToRect l="50000" t="-80000" r="50000" b="180000"/>
+          </a:path>
+        </a:gradFill>
+        <a:gradFill rotWithShape="1">
+          <a:gsLst>
+            <a:gs pos="0">
+              <a:schemeClr val="phClr">
+                <a:tint val="80000"/>
+                <a:satMod val="300000"/>
+              </a:schemeClr>
+            </a:gs>
+            <a:gs pos="100000">
+              <a:schemeClr val="phClr">
+                <a:shade val="30000"/>
+                <a:satMod val="200000"/>
+              </a:schemeClr>
+            </a:gs>
+          </a:gsLst>
+          <a:path path="circle">
+            <a:fillToRect l="50000" t="50000" r="50000" b="50000"/>
+          </a:path>
+        </a:gradFill>
+      </a:bgFillStyleLst>
+    </a:fmtScheme>
+  </a:themeElements>
+</a:theme>
+</file>
+
+<file path=ppt/theme/theme2.xml><?xml version="1.0" encoding="utf-8"?>
 <a:theme xmlns:a="http://schemas.openxmlformats.org/drawingml/2006/main" xmlns:r="http://schemas.openxmlformats.org/officeDocument/2006/relationships" name="OneSixtyOverNintey_Theme">
   <a:themeElements>
     <a:clrScheme name="Office">
@@ -16664,283 +16927,4 @@
     </a:fmtScheme>
   </a:themeElements>
 </a:theme>
-</file>
-
-<file path=ppt/theme/theme2.xml><?xml version="1.0" encoding="utf-8"?>
-<a:theme xmlns:a="http://schemas.openxmlformats.org/drawingml/2006/main" xmlns:r="http://schemas.openxmlformats.org/officeDocument/2006/relationships" name="Office Theme">
-  <a:themeElements>
-    <a:clrScheme name="Office">
-      <a:dk1>
-        <a:srgbClr val="000000"/>
-      </a:dk1>
-      <a:lt1>
-        <a:srgbClr val="FFFFFF"/>
-      </a:lt1>
-      <a:dk2>
-        <a:srgbClr val="44546A"/>
-      </a:dk2>
-      <a:lt2>
-        <a:srgbClr val="E7E6E6"/>
-      </a:lt2>
-      <a:accent1>
-        <a:srgbClr val="5B9BD5"/>
-      </a:accent1>
-      <a:accent2>
-        <a:srgbClr val="ED7D31"/>
-      </a:accent2>
-      <a:accent3>
-        <a:srgbClr val="A5A5A5"/>
-      </a:accent3>
-      <a:accent4>
-        <a:srgbClr val="FFC000"/>
-      </a:accent4>
-      <a:accent5>
-        <a:srgbClr val="4472C4"/>
-      </a:accent5>
-      <a:accent6>
-        <a:srgbClr val="70AD47"/>
-      </a:accent6>
-      <a:hlink>
-        <a:srgbClr val="0563C1"/>
-      </a:hlink>
-      <a:folHlink>
-        <a:srgbClr val="954F72"/>
-      </a:folHlink>
-    </a:clrScheme>
-    <a:fontScheme name="Office">
-      <a:majorFont>
-        <a:latin typeface="Arial"/>
-        <a:ea typeface=""/>
-        <a:cs typeface=""/>
-        <a:font script="Jpan" typeface="ＭＳ Ｐゴシック"/>
-        <a:font script="Hang" typeface="맑은 고딕"/>
-        <a:font script="Hans" typeface="宋体"/>
-        <a:font script="Hant" typeface="新細明體"/>
-        <a:font script="Arab" typeface="Times New Roman"/>
-        <a:font script="Hebr" typeface="Times New Roman"/>
-        <a:font script="Thai" typeface="Angsana New"/>
-        <a:font script="Ethi" typeface="Nyala"/>
-        <a:font script="Beng" typeface="Vrinda"/>
-        <a:font script="Gujr" typeface="Shruti"/>
-        <a:font script="Khmr" typeface="MoolBoran"/>
-        <a:font script="Knda" typeface="Tunga"/>
-        <a:font script="Guru" typeface="Raavi"/>
-        <a:font script="Cans" typeface="Euphemia"/>
-        <a:font script="Cher" typeface="Plantagenet Cherokee"/>
-        <a:font script="Yiii" typeface="Microsoft Yi Baiti"/>
-        <a:font script="Tibt" typeface="Microsoft Himalaya"/>
-        <a:font script="Thaa" typeface="MV Boli"/>
-        <a:font script="Deva" typeface="Mangal"/>
-        <a:font script="Telu" typeface="Gautami"/>
-        <a:font script="Taml" typeface="Latha"/>
-        <a:font script="Syrc" typeface="Estrangelo Edessa"/>
-        <a:font script="Orya" typeface="Kalinga"/>
-        <a:font script="Mlym" typeface="Kartika"/>
-        <a:font script="Laoo" typeface="DokChampa"/>
-        <a:font script="Sinh" typeface="Iskoola Pota"/>
-        <a:font script="Mong" typeface="Mongolian Baiti"/>
-        <a:font script="Viet" typeface="Times New Roman"/>
-        <a:font script="Uigh" typeface="Microsoft Uighur"/>
-        <a:font script="Geor" typeface="Sylfaen"/>
-      </a:majorFont>
-      <a:minorFont>
-        <a:latin typeface="Arial"/>
-        <a:ea typeface=""/>
-        <a:cs typeface=""/>
-        <a:font script="Jpan" typeface="ＭＳ Ｐゴシック"/>
-        <a:font script="Hang" typeface="맑은 고딕"/>
-        <a:font script="Hans" typeface="宋体"/>
-        <a:font script="Hant" typeface="新細明體"/>
-        <a:font script="Arab" typeface="Arial"/>
-        <a:font script="Hebr" typeface="Arial"/>
-        <a:font script="Thai" typeface="Cordia New"/>
-        <a:font script="Ethi" typeface="Nyala"/>
-        <a:font script="Beng" typeface="Vrinda"/>
-        <a:font script="Gujr" typeface="Shruti"/>
-        <a:font script="Khmr" typeface="DaunPenh"/>
-        <a:font script="Knda" typeface="Tunga"/>
-        <a:font script="Guru" typeface="Raavi"/>
-        <a:font script="Cans" typeface="Euphemia"/>
-        <a:font script="Cher" typeface="Plantagenet Cherokee"/>
-        <a:font script="Yiii" typeface="Microsoft Yi Baiti"/>
-        <a:font script="Tibt" typeface="Microsoft Himalaya"/>
-        <a:font script="Thaa" typeface="MV Boli"/>
-        <a:font script="Deva" typeface="Mangal"/>
-        <a:font script="Telu" typeface="Gautami"/>
-        <a:font script="Taml" typeface="Latha"/>
-        <a:font script="Syrc" typeface="Estrangelo Edessa"/>
-        <a:font script="Orya" typeface="Kalinga"/>
-        <a:font script="Mlym" typeface="Kartika"/>
-        <a:font script="Laoo" typeface="DokChampa"/>
-        <a:font script="Sinh" typeface="Iskoola Pota"/>
-        <a:font script="Mong" typeface="Mongolian Baiti"/>
-        <a:font script="Viet" typeface="Arial"/>
-        <a:font script="Uigh" typeface="Microsoft Uighur"/>
-        <a:font script="Geor" typeface="Sylfaen"/>
-      </a:minorFont>
-    </a:fontScheme>
-    <a:fmtScheme name="Office">
-      <a:fillStyleLst>
-        <a:solidFill>
-          <a:schemeClr val="phClr"/>
-        </a:solidFill>
-        <a:gradFill rotWithShape="1">
-          <a:gsLst>
-            <a:gs pos="0">
-              <a:schemeClr val="phClr">
-                <a:tint val="50000"/>
-                <a:satMod val="300000"/>
-              </a:schemeClr>
-            </a:gs>
-            <a:gs pos="35000">
-              <a:schemeClr val="phClr">
-                <a:tint val="37000"/>
-                <a:satMod val="300000"/>
-              </a:schemeClr>
-            </a:gs>
-            <a:gs pos="100000">
-              <a:schemeClr val="phClr">
-                <a:tint val="15000"/>
-                <a:satMod val="350000"/>
-              </a:schemeClr>
-            </a:gs>
-          </a:gsLst>
-          <a:lin ang="16200000" scaled="1"/>
-        </a:gradFill>
-        <a:gradFill rotWithShape="1">
-          <a:gsLst>
-            <a:gs pos="0">
-              <a:schemeClr val="phClr">
-                <a:tint val="100000"/>
-                <a:shade val="100000"/>
-                <a:satMod val="130000"/>
-              </a:schemeClr>
-            </a:gs>
-            <a:gs pos="100000">
-              <a:schemeClr val="phClr">
-                <a:tint val="50000"/>
-                <a:shade val="100000"/>
-                <a:satMod val="350000"/>
-              </a:schemeClr>
-            </a:gs>
-          </a:gsLst>
-          <a:lin ang="16200000" scaled="0"/>
-        </a:gradFill>
-      </a:fillStyleLst>
-      <a:lnStyleLst>
-        <a:ln w="9525" cap="flat" cmpd="sng" algn="ctr">
-          <a:solidFill>
-            <a:schemeClr val="phClr">
-              <a:shade val="95000"/>
-              <a:satMod val="105000"/>
-            </a:schemeClr>
-          </a:solidFill>
-          <a:prstDash val="solid"/>
-        </a:ln>
-        <a:ln w="25400" cap="flat" cmpd="sng" algn="ctr">
-          <a:solidFill>
-            <a:schemeClr val="phClr"/>
-          </a:solidFill>
-          <a:prstDash val="solid"/>
-        </a:ln>
-        <a:ln w="38100" cap="flat" cmpd="sng" algn="ctr">
-          <a:solidFill>
-            <a:schemeClr val="phClr"/>
-          </a:solidFill>
-          <a:prstDash val="solid"/>
-        </a:ln>
-      </a:lnStyleLst>
-      <a:effectStyleLst>
-        <a:effectStyle>
-          <a:effectLst>
-            <a:outerShdw blurRad="40000" dist="20000" dir="5400000" rotWithShape="0">
-              <a:srgbClr val="000000">
-                <a:alpha val="38000"/>
-              </a:srgbClr>
-            </a:outerShdw>
-          </a:effectLst>
-        </a:effectStyle>
-        <a:effectStyle>
-          <a:effectLst>
-            <a:outerShdw blurRad="40000" dist="23000" dir="5400000" rotWithShape="0">
-              <a:srgbClr val="000000">
-                <a:alpha val="35000"/>
-              </a:srgbClr>
-            </a:outerShdw>
-          </a:effectLst>
-        </a:effectStyle>
-        <a:effectStyle>
-          <a:effectLst>
-            <a:outerShdw blurRad="40000" dist="23000" dir="5400000" rotWithShape="0">
-              <a:srgbClr val="000000">
-                <a:alpha val="35000"/>
-              </a:srgbClr>
-            </a:outerShdw>
-          </a:effectLst>
-          <a:scene3d>
-            <a:camera prst="orthographicFront">
-              <a:rot lat="0" lon="0" rev="0"/>
-            </a:camera>
-            <a:lightRig rig="threePt" dir="t">
-              <a:rot lat="0" lon="0" rev="1200000"/>
-            </a:lightRig>
-          </a:scene3d>
-          <a:sp3d>
-            <a:bevelT w="63500" h="25400"/>
-          </a:sp3d>
-        </a:effectStyle>
-      </a:effectStyleLst>
-      <a:bgFillStyleLst>
-        <a:solidFill>
-          <a:schemeClr val="phClr"/>
-        </a:solidFill>
-        <a:gradFill rotWithShape="1">
-          <a:gsLst>
-            <a:gs pos="0">
-              <a:schemeClr val="phClr">
-                <a:tint val="40000"/>
-                <a:satMod val="350000"/>
-              </a:schemeClr>
-            </a:gs>
-            <a:gs pos="40000">
-              <a:schemeClr val="phClr">
-                <a:tint val="45000"/>
-                <a:shade val="99000"/>
-                <a:satMod val="350000"/>
-              </a:schemeClr>
-            </a:gs>
-            <a:gs pos="100000">
-              <a:schemeClr val="phClr">
-                <a:shade val="20000"/>
-                <a:satMod val="255000"/>
-              </a:schemeClr>
-            </a:gs>
-          </a:gsLst>
-          <a:path path="circle">
-            <a:fillToRect l="50000" t="-80000" r="50000" b="180000"/>
-          </a:path>
-        </a:gradFill>
-        <a:gradFill rotWithShape="1">
-          <a:gsLst>
-            <a:gs pos="0">
-              <a:schemeClr val="phClr">
-                <a:tint val="80000"/>
-                <a:satMod val="300000"/>
-              </a:schemeClr>
-            </a:gs>
-            <a:gs pos="100000">
-              <a:schemeClr val="phClr">
-                <a:shade val="30000"/>
-                <a:satMod val="200000"/>
-              </a:schemeClr>
-            </a:gs>
-          </a:gsLst>
-          <a:path path="circle">
-            <a:fillToRect l="50000" t="50000" r="50000" b="50000"/>
-          </a:path>
-        </a:gradFill>
-      </a:bgFillStyleLst>
-    </a:fmtScheme>
-  </a:themeElements>
-</a:theme>
 </file>
--- a/documentation/White Volley Girls - Final Project Presentation (Season 1).pptx
+++ b/documentation/White Volley Girls - Final Project Presentation (Season 1).pptx
@@ -12112,8 +12112,8 @@
         </p:blipFill>
         <p:spPr>
           <a:xfrm>
-            <a:off x="152400" y="152400"/>
-            <a:ext cx="7839075" cy="4276725"/>
+            <a:off x="0" y="0"/>
+            <a:ext cx="9143999" cy="4988646"/>
           </a:xfrm>
           <a:prstGeom prst="rect">
             <a:avLst/>
@@ -12215,8 +12215,8 @@
         </p:blipFill>
         <p:spPr>
           <a:xfrm>
-            <a:off x="222925" y="114150"/>
-            <a:ext cx="8698143" cy="5906884"/>
+            <a:off x="0" y="0"/>
+            <a:ext cx="9143999" cy="6209650"/>
           </a:xfrm>
           <a:prstGeom prst="rect">
             <a:avLst/>
@@ -12690,8 +12690,8 @@
         </p:blipFill>
         <p:spPr>
           <a:xfrm>
-            <a:off x="946925" y="670025"/>
-            <a:ext cx="7322175" cy="5572778"/>
+            <a:off x="0" y="1600"/>
+            <a:ext cx="8952700" cy="6813750"/>
           </a:xfrm>
           <a:prstGeom prst="rect">
             <a:avLst/>
@@ -12737,16 +12737,7 @@
               <a:buNone/>
             </a:pPr>
             <a:r>
-              <a:rPr b="1" lang="en-US" sz="3600">
-                <a:solidFill>
-                  <a:srgbClr val="D00D2D"/>
-                </a:solidFill>
-                <a:latin typeface="Arial"/>
-                <a:ea typeface="Arial"/>
-                <a:cs typeface="Arial"/>
-                <a:sym typeface="Arial"/>
-              </a:rPr>
-              <a:t>Sample Code Snippets</a:t>
+              <a:t/>
             </a:r>
             <a:endParaRPr/>
           </a:p>
@@ -13609,117 +13600,6 @@
                 <a:sym typeface="Calibri"/>
               </a:rPr>
               <a:t>Will be based on user’s academic preference and performance of previous classes</a:t>
-            </a:r>
-            <a:endParaRPr b="1" sz="2600">
-              <a:solidFill>
-                <a:srgbClr val="FFFFFF"/>
-              </a:solidFill>
-              <a:latin typeface="Calibri"/>
-              <a:ea typeface="Calibri"/>
-              <a:cs typeface="Calibri"/>
-              <a:sym typeface="Calibri"/>
-            </a:endParaRPr>
-          </a:p>
-          <a:p>
-            <a:pPr indent="-393700" lvl="0" marL="457200" marR="0" rtl="0" algn="l">
-              <a:spcBef>
-                <a:spcPts val="0"/>
-              </a:spcBef>
-              <a:spcAft>
-                <a:spcPts val="0"/>
-              </a:spcAft>
-              <a:buClr>
-                <a:srgbClr val="FF00FF"/>
-              </a:buClr>
-              <a:buSzPts val="2600"/>
-              <a:buFont typeface="Calibri"/>
-              <a:buChar char="●"/>
-            </a:pPr>
-            <a:r>
-              <a:rPr b="1" lang="en-US" sz="2600">
-                <a:solidFill>
-                  <a:srgbClr val="FF00FF"/>
-                </a:solidFill>
-                <a:latin typeface="Calibri"/>
-                <a:ea typeface="Calibri"/>
-                <a:cs typeface="Calibri"/>
-                <a:sym typeface="Calibri"/>
-              </a:rPr>
-              <a:t>Technical Stuffs</a:t>
-            </a:r>
-            <a:endParaRPr b="1" sz="2600">
-              <a:solidFill>
-                <a:srgbClr val="FF00FF"/>
-              </a:solidFill>
-              <a:latin typeface="Calibri"/>
-              <a:ea typeface="Calibri"/>
-              <a:cs typeface="Calibri"/>
-              <a:sym typeface="Calibri"/>
-            </a:endParaRPr>
-          </a:p>
-          <a:p>
-            <a:pPr indent="-393700" lvl="1" marL="914400" marR="0" rtl="0" algn="l">
-              <a:spcBef>
-                <a:spcPts val="0"/>
-              </a:spcBef>
-              <a:spcAft>
-                <a:spcPts val="0"/>
-              </a:spcAft>
-              <a:buClr>
-                <a:srgbClr val="FFFFFF"/>
-              </a:buClr>
-              <a:buSzPts val="2600"/>
-              <a:buFont typeface="Calibri"/>
-              <a:buChar char="○"/>
-            </a:pPr>
-            <a:r>
-              <a:rPr b="1" lang="en-US" sz="2600">
-                <a:solidFill>
-                  <a:srgbClr val="FFFFFF"/>
-                </a:solidFill>
-                <a:latin typeface="Calibri"/>
-                <a:ea typeface="Calibri"/>
-                <a:cs typeface="Calibri"/>
-                <a:sym typeface="Calibri"/>
-              </a:rPr>
-              <a:t>Implement frontend routing with NodeJS</a:t>
-            </a:r>
-            <a:endParaRPr b="1" sz="2600">
-              <a:solidFill>
-                <a:srgbClr val="FFFFFF"/>
-              </a:solidFill>
-              <a:latin typeface="Calibri"/>
-              <a:ea typeface="Calibri"/>
-              <a:cs typeface="Calibri"/>
-              <a:sym typeface="Calibri"/>
-            </a:endParaRPr>
-          </a:p>
-          <a:p>
-            <a:pPr indent="-393700" lvl="2" marL="1371600" marR="0" rtl="0" algn="l">
-              <a:spcBef>
-                <a:spcPts val="0"/>
-              </a:spcBef>
-              <a:spcAft>
-                <a:spcPts val="0"/>
-              </a:spcAft>
-              <a:buClr>
-                <a:srgbClr val="FFFFFF"/>
-              </a:buClr>
-              <a:buSzPts val="2600"/>
-              <a:buFont typeface="Calibri"/>
-              <a:buChar char="■"/>
-            </a:pPr>
-            <a:r>
-              <a:rPr b="1" lang="en-US" sz="2600">
-                <a:solidFill>
-                  <a:srgbClr val="FFFFFF"/>
-                </a:solidFill>
-                <a:latin typeface="Calibri"/>
-                <a:ea typeface="Calibri"/>
-                <a:cs typeface="Calibri"/>
-                <a:sym typeface="Calibri"/>
-              </a:rPr>
-              <a:t>For back and forward navigation between pages</a:t>
             </a:r>
             <a:endParaRPr b="1" sz="2600">
               <a:solidFill>
